--- a/2º Semestre/Aula 00 - Aula Magna e Orientações/Aula 00 - Aula Magna e Orientações v2.pptx
+++ b/2º Semestre/Aula 00 - Aula Magna e Orientações/Aula 00 - Aula Magna e Orientações v2.pptx
@@ -220,7 +220,7 @@
             <a:fld id="{4EA5E1ED-E65E-440E-8A4B-5F5DC973F797}" type="datetimeFigureOut">
               <a:rPr lang="pt-BR" smtClean="0"/>
               <a:pPr/>
-              <a:t>11/09/2023</a:t>
+              <a:t>02/10/2023</a:t>
             </a:fld>
             <a:endParaRPr lang="pt-BR"/>
           </a:p>
@@ -637,7 +637,7 @@
           <a:p>
             <a:fld id="{1787AD07-0C2A-424C-83EF-FCCF4A0D3BA0}" type="datetime1">
               <a:rPr lang="pt-BR" smtClean="0"/>
-              <a:t>11/09/2023</a:t>
+              <a:t>02/10/2023</a:t>
             </a:fld>
             <a:endParaRPr lang="pt-BR"/>
           </a:p>
@@ -806,7 +806,7 @@
           <a:p>
             <a:fld id="{2F92FB66-59C8-46A5-AD82-5DAAFD2DC390}" type="datetime1">
               <a:rPr lang="pt-BR" smtClean="0"/>
-              <a:t>11/09/2023</a:t>
+              <a:t>02/10/2023</a:t>
             </a:fld>
             <a:endParaRPr lang="pt-BR"/>
           </a:p>
@@ -985,7 +985,7 @@
           <a:p>
             <a:fld id="{3D5CC8D2-C61E-4471-AD68-1C0D45A8EAFC}" type="datetime1">
               <a:rPr lang="pt-BR" smtClean="0"/>
-              <a:t>11/09/2023</a:t>
+              <a:t>02/10/2023</a:t>
             </a:fld>
             <a:endParaRPr lang="pt-BR"/>
           </a:p>
@@ -1128,7 +1128,7 @@
           <a:p>
             <a:fld id="{C3E38981-C08A-4A29-B885-392FB4EE0709}" type="datetime1">
               <a:rPr lang="pt-BR" smtClean="0"/>
-              <a:t>11/09/2023</a:t>
+              <a:t>02/10/2023</a:t>
             </a:fld>
             <a:endParaRPr lang="en-US" dirty="0"/>
           </a:p>
@@ -1513,7 +1513,7 @@
           <a:p>
             <a:fld id="{2CFE63D7-5B4A-40A4-8FD4-EA63D1010EB7}" type="datetime1">
               <a:rPr lang="pt-BR" smtClean="0"/>
-              <a:t>11/09/2023</a:t>
+              <a:t>02/10/2023</a:t>
             </a:fld>
             <a:endParaRPr lang="en-US" dirty="0"/>
           </a:p>
@@ -1735,7 +1735,7 @@
           <a:p>
             <a:fld id="{A9719147-5557-4D76-A2C3-BF25882771D2}" type="datetime1">
               <a:rPr lang="pt-BR" smtClean="0"/>
-              <a:t>11/09/2023</a:t>
+              <a:t>02/10/2023</a:t>
             </a:fld>
             <a:endParaRPr lang="en-US" dirty="0"/>
           </a:p>
@@ -2048,7 +2048,7 @@
           <a:p>
             <a:fld id="{66250340-7104-44A8-88A9-88532CCE9C1C}" type="datetime1">
               <a:rPr lang="pt-BR" smtClean="0"/>
-              <a:t>11/09/2023</a:t>
+              <a:t>02/10/2023</a:t>
             </a:fld>
             <a:endParaRPr lang="en-US" dirty="0"/>
           </a:p>
@@ -2233,7 +2233,7 @@
           <a:p>
             <a:fld id="{D047EA32-7810-48BE-A9BB-EA3D8AA5AD34}" type="datetime1">
               <a:rPr lang="pt-BR" smtClean="0"/>
-              <a:t>11/09/2023</a:t>
+              <a:t>02/10/2023</a:t>
             </a:fld>
             <a:endParaRPr lang="en-US" dirty="0"/>
           </a:p>
@@ -2381,7 +2381,7 @@
           <a:p>
             <a:fld id="{7C28E9E9-B91F-400E-BE43-87BB4B5C6F4E}" type="datetime1">
               <a:rPr lang="pt-BR" smtClean="0"/>
-              <a:t>11/09/2023</a:t>
+              <a:t>02/10/2023</a:t>
             </a:fld>
             <a:endParaRPr lang="en-US" dirty="0"/>
           </a:p>
@@ -2633,7 +2633,7 @@
           <a:p>
             <a:fld id="{A9E773EA-BFD5-41D4-8CCD-2C9F67DAB481}" type="datetime1">
               <a:rPr lang="pt-BR" smtClean="0"/>
-              <a:t>11/09/2023</a:t>
+              <a:t>02/10/2023</a:t>
             </a:fld>
             <a:endParaRPr lang="pt-BR" dirty="0"/>
           </a:p>
@@ -2835,7 +2835,7 @@
           <a:p>
             <a:fld id="{DAA7C8B6-CF57-4A95-AF6C-A77E6C230ED3}" type="datetime1">
               <a:rPr lang="pt-BR" smtClean="0"/>
-              <a:t>11/09/2023</a:t>
+              <a:t>02/10/2023</a:t>
             </a:fld>
             <a:endParaRPr lang="pt-BR"/>
           </a:p>
@@ -3119,7 +3119,7 @@
           <a:p>
             <a:fld id="{34D50989-24C8-4023-9B0D-A6D249548FD9}" type="datetime1">
               <a:rPr lang="pt-BR" smtClean="0"/>
-              <a:t>11/09/2023</a:t>
+              <a:t>02/10/2023</a:t>
             </a:fld>
             <a:endParaRPr lang="pt-BR"/>
           </a:p>
@@ -3355,7 +3355,7 @@
           <a:p>
             <a:fld id="{8D9BC96A-9776-4585-A439-BC9E2DA226C1}" type="datetime1">
               <a:rPr lang="pt-BR" smtClean="0"/>
-              <a:t>11/09/2023</a:t>
+              <a:t>02/10/2023</a:t>
             </a:fld>
             <a:endParaRPr lang="pt-BR"/>
           </a:p>
@@ -3738,7 +3738,7 @@
           <a:p>
             <a:fld id="{7D12BE36-2922-4567-BD67-201EFA21BF6D}" type="datetime1">
               <a:rPr lang="pt-BR" smtClean="0"/>
-              <a:t>11/09/2023</a:t>
+              <a:t>02/10/2023</a:t>
             </a:fld>
             <a:endParaRPr lang="pt-BR"/>
           </a:p>
@@ -3850,7 +3850,7 @@
           <a:p>
             <a:fld id="{E5B462A9-4B1E-4013-BFB1-FC92225AC2F2}" type="datetime1">
               <a:rPr lang="pt-BR" smtClean="0"/>
-              <a:t>11/09/2023</a:t>
+              <a:t>02/10/2023</a:t>
             </a:fld>
             <a:endParaRPr lang="pt-BR"/>
           </a:p>
@@ -3934,7 +3934,7 @@
           <a:p>
             <a:fld id="{D0E6EC7A-67E7-4978-9BAE-C8F82A40B13B}" type="datetime1">
               <a:rPr lang="pt-BR" smtClean="0"/>
-              <a:t>11/09/2023</a:t>
+              <a:t>02/10/2023</a:t>
             </a:fld>
             <a:endParaRPr lang="pt-BR"/>
           </a:p>
@@ -4216,7 +4216,7 @@
           <a:p>
             <a:fld id="{6E085A4E-80B8-47DD-9D9B-8E1B205CBB30}" type="datetime1">
               <a:rPr lang="pt-BR" smtClean="0"/>
-              <a:t>11/09/2023</a:t>
+              <a:t>02/10/2023</a:t>
             </a:fld>
             <a:endParaRPr lang="pt-BR"/>
           </a:p>
@@ -4475,7 +4475,7 @@
           <a:p>
             <a:fld id="{F4E9A02C-D9AD-4B8C-9B93-B0980E8E86EB}" type="datetime1">
               <a:rPr lang="pt-BR" smtClean="0"/>
-              <a:t>11/09/2023</a:t>
+              <a:t>02/10/2023</a:t>
             </a:fld>
             <a:endParaRPr lang="pt-BR"/>
           </a:p>
@@ -4687,7 +4687,7 @@
           <a:p>
             <a:fld id="{202762D0-3A59-4B14-83BA-8E0FC8A60AB1}" type="datetime1">
               <a:rPr lang="pt-BR" smtClean="0"/>
-              <a:t>11/09/2023</a:t>
+              <a:t>02/10/2023</a:t>
             </a:fld>
             <a:endParaRPr lang="pt-BR"/>
           </a:p>
@@ -12282,14 +12282,14 @@
             </p:custDataLst>
             <p:extLst>
               <p:ext uri="{D42A27DB-BD31-4B8C-83A1-F6EECF244321}">
-                <p14:modId xmlns:p14="http://schemas.microsoft.com/office/powerpoint/2010/main" val="1755142333"/>
+                <p14:modId xmlns:p14="http://schemas.microsoft.com/office/powerpoint/2010/main" val="2687960855"/>
               </p:ext>
             </p:extLst>
           </p:nvPr>
         </p:nvGraphicFramePr>
         <p:xfrm>
           <a:off x="323528" y="1089371"/>
-          <a:ext cx="8234893" cy="5036090"/>
+          <a:ext cx="8234893" cy="5068255"/>
         </p:xfrm>
         <a:graphic>
           <a:graphicData uri="http://schemas.openxmlformats.org/drawingml/2006/table">
@@ -12499,10 +12499,16 @@
                     <a:p>
                       <a:r>
                         <a:rPr lang="pt-BR" sz="900" dirty="0">
+                          <a:solidFill>
+                            <a:srgbClr val="FF0000"/>
+                          </a:solidFill>
                           <a:latin typeface="Gotham HTF"/>
                         </a:rPr>
                         <a:t>Ok</a:t>
                       </a:r>
+                      <a:endParaRPr lang="pt-BR" sz="900" dirty="0">
+                        <a:latin typeface="Gotham HTF"/>
+                      </a:endParaRPr>
                     </a:p>
                     <a:p>
                       <a:endParaRPr lang="pt-BR" sz="900" dirty="0">
@@ -12793,7 +12799,7 @@
                           </a:solidFill>
                           <a:latin typeface="Gotham HTF"/>
                         </a:rPr>
-                        <a:t>ok</a:t>
+                        <a:t>Ok</a:t>
                       </a:r>
                     </a:p>
                   </a:txBody>
@@ -12882,6 +12888,15 @@
                     <a:bodyPr/>
                     <a:lstStyle/>
                     <a:p>
+                      <a:r>
+                        <a:rPr lang="pt-BR" sz="900" dirty="0">
+                          <a:solidFill>
+                            <a:srgbClr val="FF0000"/>
+                          </a:solidFill>
+                          <a:latin typeface="Gotham HTF"/>
+                        </a:rPr>
+                        <a:t>Ok</a:t>
+                      </a:r>
                       <a:endParaRPr lang="pt-BR" sz="900" dirty="0">
                         <a:latin typeface="Gotham HTF"/>
                       </a:endParaRPr>
@@ -12999,7 +13014,7 @@
                           </a:solidFill>
                           <a:latin typeface="Gotham HTF"/>
                         </a:rPr>
-                        <a:t>ok</a:t>
+                        <a:t>Ok</a:t>
                       </a:r>
                     </a:p>
                   </a:txBody>
@@ -13123,12 +13138,15 @@
                         <a:tabLst/>
                         <a:defRPr/>
                       </a:pPr>
-                      <a:endParaRPr lang="pt-BR" sz="900" dirty="0">
-                        <a:solidFill>
-                          <a:srgbClr val="FF0000"/>
-                        </a:solidFill>
-                        <a:latin typeface="Gotham HTF"/>
-                      </a:endParaRPr>
+                      <a:r>
+                        <a:rPr lang="pt-BR" sz="900" dirty="0">
+                          <a:solidFill>
+                            <a:srgbClr val="FF0000"/>
+                          </a:solidFill>
+                          <a:latin typeface="Gotham HTF"/>
+                        </a:rPr>
+                        <a:t>OK</a:t>
+                      </a:r>
                     </a:p>
                   </a:txBody>
                   <a:tcPr/>
@@ -13222,12 +13240,15 @@
                     <a:bodyPr/>
                     <a:lstStyle/>
                     <a:p>
-                      <a:endParaRPr lang="pt-BR" sz="900" dirty="0">
-                        <a:solidFill>
-                          <a:srgbClr val="FF0000"/>
-                        </a:solidFill>
-                        <a:latin typeface="Gotham HTF"/>
-                      </a:endParaRPr>
+                      <a:r>
+                        <a:rPr lang="pt-BR" sz="900" dirty="0">
+                          <a:solidFill>
+                            <a:srgbClr val="FF0000"/>
+                          </a:solidFill>
+                          <a:latin typeface="Gotham HTF"/>
+                        </a:rPr>
+                        <a:t>OK</a:t>
+                      </a:r>
                     </a:p>
                   </a:txBody>
                   <a:tcPr/>
@@ -13324,12 +13345,15 @@
                     <a:bodyPr/>
                     <a:lstStyle/>
                     <a:p>
-                      <a:endParaRPr lang="pt-BR" sz="900" dirty="0">
-                        <a:solidFill>
-                          <a:srgbClr val="FF0000"/>
-                        </a:solidFill>
-                        <a:latin typeface="Gotham HTF"/>
-                      </a:endParaRPr>
+                      <a:r>
+                        <a:rPr lang="pt-BR" sz="900" dirty="0">
+                          <a:solidFill>
+                            <a:srgbClr val="FF0000"/>
+                          </a:solidFill>
+                          <a:latin typeface="Gotham HTF"/>
+                        </a:rPr>
+                        <a:t>OK</a:t>
+                      </a:r>
                     </a:p>
                   </a:txBody>
                   <a:tcPr/>
@@ -13443,12 +13467,15 @@
                         <a:tabLst/>
                         <a:defRPr/>
                       </a:pPr>
-                      <a:endParaRPr lang="pt-BR" sz="900" dirty="0">
-                        <a:solidFill>
-                          <a:srgbClr val="FF0000"/>
-                        </a:solidFill>
-                        <a:latin typeface="Gotham HTF"/>
-                      </a:endParaRPr>
+                      <a:r>
+                        <a:rPr lang="pt-BR" sz="900" dirty="0">
+                          <a:solidFill>
+                            <a:srgbClr val="FF0000"/>
+                          </a:solidFill>
+                          <a:latin typeface="Gotham HTF"/>
+                        </a:rPr>
+                        <a:t>OK</a:t>
+                      </a:r>
                     </a:p>
                   </a:txBody>
                   <a:tcPr/>
@@ -13527,15 +13554,12 @@
                         <a:tabLst/>
                         <a:defRPr/>
                       </a:pPr>
-                      <a:r>
-                        <a:rPr lang="pt-BR" sz="900">
-                          <a:solidFill>
-                            <a:srgbClr val="FF0000"/>
-                          </a:solidFill>
-                          <a:latin typeface="Gotham HTF"/>
-                        </a:rPr>
-                        <a:t>Checkpoint 2</a:t>
-                      </a:r>
+                      <a:endParaRPr lang="pt-BR" sz="900" dirty="0">
+                        <a:solidFill>
+                          <a:srgbClr val="FF0000"/>
+                        </a:solidFill>
+                        <a:latin typeface="Gotham HTF"/>
+                      </a:endParaRPr>
                     </a:p>
                   </a:txBody>
                   <a:tcPr/>
@@ -13636,23 +13660,36 @@
                           </a:solidFill>
                           <a:latin typeface="Gotham HTF"/>
                         </a:rPr>
-                        <a:t>Preparativo </a:t>
+                        <a:t>Preparativo pro Next ?</a:t>
                       </a:r>
+                    </a:p>
+                    <a:p>
+                      <a:pPr marL="0" marR="0" lvl="0" indent="0" algn="l" defTabSz="914400" rtl="0" eaLnBrk="1" fontAlgn="auto" latinLnBrk="0" hangingPunct="1">
+                        <a:lnSpc>
+                          <a:spcPct val="100000"/>
+                        </a:lnSpc>
+                        <a:spcBef>
+                          <a:spcPts val="0"/>
+                        </a:spcBef>
+                        <a:spcAft>
+                          <a:spcPts val="0"/>
+                        </a:spcAft>
+                        <a:buClrTx/>
+                        <a:buSzTx/>
+                        <a:buFontTx/>
+                        <a:buNone/>
+                        <a:tabLst/>
+                        <a:defRPr/>
+                      </a:pPr>
                       <a:r>
-                        <a:rPr lang="pt-BR" sz="900">
+                        <a:rPr lang="pt-BR" sz="900" dirty="0">
                           <a:solidFill>
                             <a:srgbClr val="FF0000"/>
                           </a:solidFill>
                           <a:latin typeface="Gotham HTF"/>
                         </a:rPr>
-                        <a:t>pro Next ?</a:t>
+                        <a:t>Checkpoint 2</a:t>
                       </a:r>
-                      <a:endParaRPr lang="pt-BR" sz="900" dirty="0">
-                        <a:solidFill>
-                          <a:srgbClr val="FF0000"/>
-                        </a:solidFill>
-                        <a:latin typeface="Gotham HTF"/>
-                      </a:endParaRPr>
                     </a:p>
                   </a:txBody>
                   <a:tcPr/>
